--- a/ApresentaçãoArtigo1.pptx
+++ b/ApresentaçãoArtigo1.pptx
@@ -136,6 +136,9 @@
         </p14:section>
       </p14:sectionLst>
     </p:ext>
+    <p:ext uri="{EFAFB233-063F-42B5-8137-9DF3F51BA10A}">
+      <p15:sldGuideLst xmlns:p15="http://schemas.microsoft.com/office/powerpoint/2012/main"/>
+    </p:ext>
   </p:extLst>
 </p:presentation>
 </file>
@@ -313,7 +316,7 @@
           <a:p>
             <a:fld id="{43E47DBF-BD02-4D96-99B6-1654C9B0BE60}" type="datetimeFigureOut">
               <a:rPr lang="pt-BR" smtClean="0"/>
-              <a:t>04/05/2020</a:t>
+              <a:t>05/05/2020</a:t>
             </a:fld>
             <a:endParaRPr lang="pt-BR"/>
           </a:p>
@@ -511,7 +514,7 @@
           <a:p>
             <a:fld id="{43E47DBF-BD02-4D96-99B6-1654C9B0BE60}" type="datetimeFigureOut">
               <a:rPr lang="pt-BR" smtClean="0"/>
-              <a:t>04/05/2020</a:t>
+              <a:t>05/05/2020</a:t>
             </a:fld>
             <a:endParaRPr lang="pt-BR"/>
           </a:p>
@@ -719,7 +722,7 @@
           <a:p>
             <a:fld id="{43E47DBF-BD02-4D96-99B6-1654C9B0BE60}" type="datetimeFigureOut">
               <a:rPr lang="pt-BR" smtClean="0"/>
-              <a:t>04/05/2020</a:t>
+              <a:t>05/05/2020</a:t>
             </a:fld>
             <a:endParaRPr lang="pt-BR"/>
           </a:p>
@@ -917,7 +920,7 @@
           <a:p>
             <a:fld id="{43E47DBF-BD02-4D96-99B6-1654C9B0BE60}" type="datetimeFigureOut">
               <a:rPr lang="pt-BR" smtClean="0"/>
-              <a:t>04/05/2020</a:t>
+              <a:t>05/05/2020</a:t>
             </a:fld>
             <a:endParaRPr lang="pt-BR"/>
           </a:p>
@@ -1192,7 +1195,7 @@
           <a:p>
             <a:fld id="{43E47DBF-BD02-4D96-99B6-1654C9B0BE60}" type="datetimeFigureOut">
               <a:rPr lang="pt-BR" smtClean="0"/>
-              <a:t>04/05/2020</a:t>
+              <a:t>05/05/2020</a:t>
             </a:fld>
             <a:endParaRPr lang="pt-BR"/>
           </a:p>
@@ -1457,7 +1460,7 @@
           <a:p>
             <a:fld id="{43E47DBF-BD02-4D96-99B6-1654C9B0BE60}" type="datetimeFigureOut">
               <a:rPr lang="pt-BR" smtClean="0"/>
-              <a:t>04/05/2020</a:t>
+              <a:t>05/05/2020</a:t>
             </a:fld>
             <a:endParaRPr lang="pt-BR"/>
           </a:p>
@@ -1869,7 +1872,7 @@
           <a:p>
             <a:fld id="{43E47DBF-BD02-4D96-99B6-1654C9B0BE60}" type="datetimeFigureOut">
               <a:rPr lang="pt-BR" smtClean="0"/>
-              <a:t>04/05/2020</a:t>
+              <a:t>05/05/2020</a:t>
             </a:fld>
             <a:endParaRPr lang="pt-BR"/>
           </a:p>
@@ -2010,7 +2013,7 @@
           <a:p>
             <a:fld id="{43E47DBF-BD02-4D96-99B6-1654C9B0BE60}" type="datetimeFigureOut">
               <a:rPr lang="pt-BR" smtClean="0"/>
-              <a:t>04/05/2020</a:t>
+              <a:t>05/05/2020</a:t>
             </a:fld>
             <a:endParaRPr lang="pt-BR"/>
           </a:p>
@@ -2123,7 +2126,7 @@
           <a:p>
             <a:fld id="{43E47DBF-BD02-4D96-99B6-1654C9B0BE60}" type="datetimeFigureOut">
               <a:rPr lang="pt-BR" smtClean="0"/>
-              <a:t>04/05/2020</a:t>
+              <a:t>05/05/2020</a:t>
             </a:fld>
             <a:endParaRPr lang="pt-BR"/>
           </a:p>
@@ -2434,7 +2437,7 @@
           <a:p>
             <a:fld id="{43E47DBF-BD02-4D96-99B6-1654C9B0BE60}" type="datetimeFigureOut">
               <a:rPr lang="pt-BR" smtClean="0"/>
-              <a:t>04/05/2020</a:t>
+              <a:t>05/05/2020</a:t>
             </a:fld>
             <a:endParaRPr lang="pt-BR"/>
           </a:p>
@@ -2722,7 +2725,7 @@
           <a:p>
             <a:fld id="{43E47DBF-BD02-4D96-99B6-1654C9B0BE60}" type="datetimeFigureOut">
               <a:rPr lang="pt-BR" smtClean="0"/>
-              <a:t>04/05/2020</a:t>
+              <a:t>05/05/2020</a:t>
             </a:fld>
             <a:endParaRPr lang="pt-BR"/>
           </a:p>
@@ -2963,7 +2966,7 @@
           <a:p>
             <a:fld id="{43E47DBF-BD02-4D96-99B6-1654C9B0BE60}" type="datetimeFigureOut">
               <a:rPr lang="pt-BR" smtClean="0"/>
-              <a:t>04/05/2020</a:t>
+              <a:t>05/05/2020</a:t>
             </a:fld>
             <a:endParaRPr lang="pt-BR"/>
           </a:p>
@@ -3565,10 +3568,10 @@
       </p:sp>
       <p:pic>
         <p:nvPicPr>
-          <p:cNvPr id="3" name="Imagem 2">
-            <a:extLst>
-              <a:ext uri="{FF2B5EF4-FFF2-40B4-BE49-F238E27FC236}">
-                <a16:creationId xmlns:a16="http://schemas.microsoft.com/office/drawing/2014/main" id="{44248FD7-DDC9-4AE5-9A38-73EBFD55CFCB}"/>
+          <p:cNvPr id="4" name="Imagem 3">
+            <a:extLst>
+              <a:ext uri="{FF2B5EF4-FFF2-40B4-BE49-F238E27FC236}">
+                <a16:creationId xmlns:a16="http://schemas.microsoft.com/office/drawing/2014/main" id="{AA82D526-2159-432A-B536-E320CD3276F5}"/>
               </a:ext>
             </a:extLst>
           </p:cNvPr>
@@ -3585,8 +3588,8 @@
         </p:blipFill>
         <p:spPr>
           <a:xfrm>
-            <a:off x="3178344" y="1986082"/>
-            <a:ext cx="4527473" cy="4185239"/>
+            <a:off x="3435289" y="1770586"/>
+            <a:ext cx="4755904" cy="4337251"/>
           </a:xfrm>
           <a:prstGeom prst="rect">
             <a:avLst/>
@@ -5155,10 +5158,10 @@
       </p:pic>
       <p:pic>
         <p:nvPicPr>
-          <p:cNvPr id="9" name="Imagem 8">
-            <a:extLst>
-              <a:ext uri="{FF2B5EF4-FFF2-40B4-BE49-F238E27FC236}">
-                <a16:creationId xmlns:a16="http://schemas.microsoft.com/office/drawing/2014/main" id="{43C7A230-8EBB-4F68-A429-F0C94BDCCF10}"/>
+          <p:cNvPr id="3" name="Imagem 2">
+            <a:extLst>
+              <a:ext uri="{FF2B5EF4-FFF2-40B4-BE49-F238E27FC236}">
+                <a16:creationId xmlns:a16="http://schemas.microsoft.com/office/drawing/2014/main" id="{8EE11286-8ABF-4CED-AAD7-A077ED3DCC22}"/>
               </a:ext>
             </a:extLst>
           </p:cNvPr>
@@ -5175,8 +5178,8 @@
         </p:blipFill>
         <p:spPr>
           <a:xfrm>
-            <a:off x="7207202" y="411175"/>
-            <a:ext cx="4513918" cy="2937969"/>
+            <a:off x="7015172" y="641903"/>
+            <a:ext cx="4546446" cy="2837663"/>
           </a:xfrm>
           <a:prstGeom prst="rect">
             <a:avLst/>
@@ -5185,10 +5188,10 @@
       </p:pic>
       <p:pic>
         <p:nvPicPr>
-          <p:cNvPr id="10" name="Imagem 9">
-            <a:extLst>
-              <a:ext uri="{FF2B5EF4-FFF2-40B4-BE49-F238E27FC236}">
-                <a16:creationId xmlns:a16="http://schemas.microsoft.com/office/drawing/2014/main" id="{85B28C50-4AFD-4BFA-8D34-EBD85746BEFB}"/>
+          <p:cNvPr id="4" name="Imagem 3">
+            <a:extLst>
+              <a:ext uri="{FF2B5EF4-FFF2-40B4-BE49-F238E27FC236}">
+                <a16:creationId xmlns:a16="http://schemas.microsoft.com/office/drawing/2014/main" id="{D6E4026F-6F24-4885-B948-5FECF18A6F14}"/>
               </a:ext>
             </a:extLst>
           </p:cNvPr>
@@ -5205,8 +5208,8 @@
         </p:blipFill>
         <p:spPr>
           <a:xfrm>
-            <a:off x="7098703" y="3429000"/>
-            <a:ext cx="4584220" cy="3017825"/>
+            <a:off x="7015172" y="3429000"/>
+            <a:ext cx="4338628" cy="2823914"/>
           </a:xfrm>
           <a:prstGeom prst="rect">
             <a:avLst/>
@@ -5501,10 +5504,10 @@
       </p:sp>
       <p:pic>
         <p:nvPicPr>
-          <p:cNvPr id="10" name="Imagem 9">
-            <a:extLst>
-              <a:ext uri="{FF2B5EF4-FFF2-40B4-BE49-F238E27FC236}">
-                <a16:creationId xmlns:a16="http://schemas.microsoft.com/office/drawing/2014/main" id="{DAA178C8-A958-4A53-B29F-20BEDEA8D681}"/>
+          <p:cNvPr id="3" name="Imagem 2">
+            <a:extLst>
+              <a:ext uri="{FF2B5EF4-FFF2-40B4-BE49-F238E27FC236}">
+                <a16:creationId xmlns:a16="http://schemas.microsoft.com/office/drawing/2014/main" id="{D7B7D79A-244F-4328-A785-9D5AB1EE5FED}"/>
               </a:ext>
             </a:extLst>
           </p:cNvPr>
@@ -5521,8 +5524,8 @@
         </p:blipFill>
         <p:spPr>
           <a:xfrm>
-            <a:off x="2775381" y="2410703"/>
-            <a:ext cx="6019800" cy="3971925"/>
+            <a:off x="3230707" y="2372808"/>
+            <a:ext cx="5314950" cy="3486150"/>
           </a:xfrm>
           <a:prstGeom prst="rect">
             <a:avLst/>
@@ -6009,10 +6012,10 @@
       </p:sp>
       <p:pic>
         <p:nvPicPr>
-          <p:cNvPr id="4" name="Espaço Reservado para Conteúdo 3">
-            <a:extLst>
-              <a:ext uri="{FF2B5EF4-FFF2-40B4-BE49-F238E27FC236}">
-                <a16:creationId xmlns:a16="http://schemas.microsoft.com/office/drawing/2014/main" id="{0BEAF53A-7E78-4080-A3BD-7A0508D8F6F1}"/>
+          <p:cNvPr id="6" name="Espaço Reservado para Conteúdo 5">
+            <a:extLst>
+              <a:ext uri="{FF2B5EF4-FFF2-40B4-BE49-F238E27FC236}">
+                <a16:creationId xmlns:a16="http://schemas.microsoft.com/office/drawing/2014/main" id="{24A326E8-8D8A-45DD-8E3E-73757D4489A6}"/>
               </a:ext>
             </a:extLst>
           </p:cNvPr>
@@ -6031,8 +6034,8 @@
         </p:blipFill>
         <p:spPr>
           <a:xfrm>
-            <a:off x="3019425" y="1967706"/>
-            <a:ext cx="6153150" cy="4067175"/>
+            <a:off x="3448050" y="2234406"/>
+            <a:ext cx="5295900" cy="3533775"/>
           </a:xfrm>
           <a:prstGeom prst="rect">
             <a:avLst/>
@@ -6199,8 +6202,8 @@
           </a:prstGeom>
         </p:spPr>
       </p:pic>
-      <mc:AlternateContent xmlns:mc="http://schemas.openxmlformats.org/markup-compatibility/2006">
-        <mc:Choice xmlns:a14="http://schemas.microsoft.com/office/drawing/2010/main" Requires="a14">
+      <mc:AlternateContent xmlns:mc="http://schemas.openxmlformats.org/markup-compatibility/2006" xmlns:a14="http://schemas.microsoft.com/office/drawing/2010/main">
+        <mc:Choice Requires="a14">
           <p:sp>
             <p:nvSpPr>
               <p:cNvPr id="7" name="Espaço Reservado para Conteúdo 2">
@@ -6428,7 +6431,7 @@
             </p:txBody>
           </p:sp>
         </mc:Choice>
-        <mc:Fallback>
+        <mc:Fallback xmlns="">
           <p:sp>
             <p:nvSpPr>
               <p:cNvPr id="7" name="Espaço Reservado para Conteúdo 2">

--- a/ApresentaçãoArtigo1.pptx
+++ b/ApresentaçãoArtigo1.pptx
@@ -15,8 +15,12 @@
     <p:sldId id="264" r:id="rId9"/>
     <p:sldId id="266" r:id="rId10"/>
     <p:sldId id="267" r:id="rId11"/>
-    <p:sldId id="268" r:id="rId12"/>
-    <p:sldId id="269" r:id="rId13"/>
+    <p:sldId id="270" r:id="rId12"/>
+    <p:sldId id="271" r:id="rId13"/>
+    <p:sldId id="273" r:id="rId14"/>
+    <p:sldId id="268" r:id="rId15"/>
+    <p:sldId id="274" r:id="rId16"/>
+    <p:sldId id="269" r:id="rId17"/>
   </p:sldIdLst>
   <p:sldSz cx="12192000" cy="6858000"/>
   <p:notesSz cx="6858000" cy="9144000"/>
@@ -130,7 +134,11 @@
             <p14:sldId id="264"/>
             <p14:sldId id="266"/>
             <p14:sldId id="267"/>
+            <p14:sldId id="270"/>
+            <p14:sldId id="271"/>
+            <p14:sldId id="273"/>
             <p14:sldId id="268"/>
+            <p14:sldId id="274"/>
             <p14:sldId id="269"/>
           </p14:sldIdLst>
         </p14:section>
@@ -3631,6 +3639,513 @@
           <p:cNvPr id="2" name="Título 1">
             <a:extLst>
               <a:ext uri="{FF2B5EF4-FFF2-40B4-BE49-F238E27FC236}">
+                <a16:creationId xmlns:a16="http://schemas.microsoft.com/office/drawing/2014/main" id="{95E4AC3F-4056-4B28-A5D7-BF872EFBB68F}"/>
+              </a:ext>
+            </a:extLst>
+          </p:cNvPr>
+          <p:cNvSpPr>
+            <a:spLocks noGrp="1"/>
+          </p:cNvSpPr>
+          <p:nvPr>
+            <p:ph type="title"/>
+          </p:nvPr>
+        </p:nvSpPr>
+        <p:spPr/>
+        <p:txBody>
+          <a:bodyPr/>
+          <a:lstStyle/>
+          <a:p>
+            <a:r>
+              <a:rPr lang="pt-BR" dirty="0"/>
+              <a:t>Duas Espirais</a:t>
+            </a:r>
+          </a:p>
+        </p:txBody>
+      </p:sp>
+      <p:pic>
+        <p:nvPicPr>
+          <p:cNvPr id="4" name="Espaço Reservado para Conteúdo 3">
+            <a:extLst>
+              <a:ext uri="{FF2B5EF4-FFF2-40B4-BE49-F238E27FC236}">
+                <a16:creationId xmlns:a16="http://schemas.microsoft.com/office/drawing/2014/main" id="{1093505A-D9F7-4752-8903-088929CEA8C2}"/>
+              </a:ext>
+            </a:extLst>
+          </p:cNvPr>
+          <p:cNvPicPr>
+            <a:picLocks noGrp="1" noChangeAspect="1"/>
+          </p:cNvPicPr>
+          <p:nvPr>
+            <p:ph idx="1"/>
+          </p:nvPr>
+        </p:nvPicPr>
+        <p:blipFill>
+          <a:blip r:embed="rId2"/>
+          <a:stretch>
+            <a:fillRect/>
+          </a:stretch>
+        </p:blipFill>
+        <p:spPr>
+          <a:xfrm>
+            <a:off x="926976" y="2027585"/>
+            <a:ext cx="4886325" cy="3219450"/>
+          </a:xfrm>
+          <a:prstGeom prst="rect">
+            <a:avLst/>
+          </a:prstGeom>
+        </p:spPr>
+      </p:pic>
+      <p:pic>
+        <p:nvPicPr>
+          <p:cNvPr id="6" name="Imagem 5">
+            <a:extLst>
+              <a:ext uri="{FF2B5EF4-FFF2-40B4-BE49-F238E27FC236}">
+                <a16:creationId xmlns:a16="http://schemas.microsoft.com/office/drawing/2014/main" id="{A95290BF-82A9-4BFE-8183-BB1CFF282922}"/>
+              </a:ext>
+            </a:extLst>
+          </p:cNvPr>
+          <p:cNvPicPr>
+            <a:picLocks noChangeAspect="1"/>
+          </p:cNvPicPr>
+          <p:nvPr/>
+        </p:nvPicPr>
+        <p:blipFill>
+          <a:blip r:embed="rId3"/>
+          <a:stretch>
+            <a:fillRect/>
+          </a:stretch>
+        </p:blipFill>
+        <p:spPr>
+          <a:xfrm>
+            <a:off x="5813301" y="1908522"/>
+            <a:ext cx="5292664" cy="3457575"/>
+          </a:xfrm>
+          <a:prstGeom prst="rect">
+            <a:avLst/>
+          </a:prstGeom>
+        </p:spPr>
+      </p:pic>
+      <mc:AlternateContent xmlns:mc="http://schemas.openxmlformats.org/markup-compatibility/2006">
+        <mc:Choice xmlns:a14="http://schemas.microsoft.com/office/drawing/2010/main" Requires="a14">
+          <p:sp>
+            <p:nvSpPr>
+              <p:cNvPr id="7" name="CaixaDeTexto 6">
+                <a:extLst>
+                  <a:ext uri="{FF2B5EF4-FFF2-40B4-BE49-F238E27FC236}">
+                    <a16:creationId xmlns:a16="http://schemas.microsoft.com/office/drawing/2014/main" id="{1C04153E-C17C-46F2-99C8-D5FC8966702B}"/>
+                  </a:ext>
+                </a:extLst>
+              </p:cNvPr>
+              <p:cNvSpPr txBox="1"/>
+              <p:nvPr/>
+            </p:nvSpPr>
+            <p:spPr>
+              <a:xfrm>
+                <a:off x="2130641" y="5912528"/>
+                <a:ext cx="2938509" cy="369332"/>
+              </a:xfrm>
+              <a:prstGeom prst="rect">
+                <a:avLst/>
+              </a:prstGeom>
+              <a:noFill/>
+            </p:spPr>
+            <p:txBody>
+              <a:bodyPr wrap="square" rtlCol="0">
+                <a:spAutoFit/>
+              </a:bodyPr>
+              <a:lstStyle/>
+              <a:p>
+                <a14:m>
+                  <m:oMathPara xmlns:m="http://schemas.openxmlformats.org/officeDocument/2006/math">
+                    <m:oMathParaPr>
+                      <m:jc m:val="centerGroup"/>
+                    </m:oMathParaPr>
+                    <m:oMath xmlns:m="http://schemas.openxmlformats.org/officeDocument/2006/math">
+                      <m:sSub>
+                        <m:sSubPr>
+                          <m:ctrlPr>
+                            <a:rPr lang="pt-BR" b="0" i="1" smtClean="0">
+                              <a:latin typeface="Cambria Math" panose="02040503050406030204" pitchFamily="18" charset="0"/>
+                            </a:rPr>
+                          </m:ctrlPr>
+                        </m:sSubPr>
+                        <m:e>
+                          <m:r>
+                            <a:rPr lang="pt-BR" b="0" i="1" smtClean="0">
+                              <a:latin typeface="Cambria Math" panose="02040503050406030204" pitchFamily="18" charset="0"/>
+                            </a:rPr>
+                            <m:t>𝑁</m:t>
+                          </m:r>
+                        </m:e>
+                        <m:sub>
+                          <m:r>
+                            <a:rPr lang="pt-BR" b="0" i="1" smtClean="0">
+                              <a:latin typeface="Cambria Math" panose="02040503050406030204" pitchFamily="18" charset="0"/>
+                            </a:rPr>
+                            <m:t>1</m:t>
+                          </m:r>
+                        </m:sub>
+                      </m:sSub>
+                      <m:r>
+                        <a:rPr lang="pt-BR" b="0" i="1" smtClean="0">
+                          <a:latin typeface="Cambria Math" panose="02040503050406030204" pitchFamily="18" charset="0"/>
+                        </a:rPr>
+                        <m:t>=</m:t>
+                      </m:r>
+                      <m:sSub>
+                        <m:sSubPr>
+                          <m:ctrlPr>
+                            <a:rPr lang="pt-BR" b="0" i="1" smtClean="0">
+                              <a:latin typeface="Cambria Math" panose="02040503050406030204" pitchFamily="18" charset="0"/>
+                            </a:rPr>
+                          </m:ctrlPr>
+                        </m:sSubPr>
+                        <m:e>
+                          <m:r>
+                            <a:rPr lang="pt-BR" b="0" i="1" smtClean="0">
+                              <a:latin typeface="Cambria Math" panose="02040503050406030204" pitchFamily="18" charset="0"/>
+                            </a:rPr>
+                            <m:t>𝑁</m:t>
+                          </m:r>
+                        </m:e>
+                        <m:sub>
+                          <m:r>
+                            <a:rPr lang="pt-BR" b="0" i="1" smtClean="0">
+                              <a:latin typeface="Cambria Math" panose="02040503050406030204" pitchFamily="18" charset="0"/>
+                            </a:rPr>
+                            <m:t>2</m:t>
+                          </m:r>
+                        </m:sub>
+                      </m:sSub>
+                      <m:r>
+                        <a:rPr lang="pt-BR" b="0" i="1" smtClean="0">
+                          <a:latin typeface="Cambria Math" panose="02040503050406030204" pitchFamily="18" charset="0"/>
+                        </a:rPr>
+                        <m:t>=200</m:t>
+                      </m:r>
+                    </m:oMath>
+                  </m:oMathPara>
+                </a14:m>
+                <a:endParaRPr lang="pt-BR" dirty="0"/>
+              </a:p>
+            </p:txBody>
+          </p:sp>
+        </mc:Choice>
+        <mc:Fallback>
+          <p:sp>
+            <p:nvSpPr>
+              <p:cNvPr id="7" name="CaixaDeTexto 6">
+                <a:extLst>
+                  <a:ext uri="{FF2B5EF4-FFF2-40B4-BE49-F238E27FC236}">
+                    <a16:creationId xmlns:a16="http://schemas.microsoft.com/office/drawing/2014/main" id="{1C04153E-C17C-46F2-99C8-D5FC8966702B}"/>
+                  </a:ext>
+                </a:extLst>
+              </p:cNvPr>
+              <p:cNvSpPr txBox="1">
+                <a:spLocks noRot="1" noChangeAspect="1" noMove="1" noResize="1" noEditPoints="1" noAdjustHandles="1" noChangeArrowheads="1" noChangeShapeType="1" noTextEdit="1"/>
+              </p:cNvSpPr>
+              <p:nvPr/>
+            </p:nvSpPr>
+            <p:spPr>
+              <a:xfrm>
+                <a:off x="2130641" y="5912528"/>
+                <a:ext cx="2938509" cy="369332"/>
+              </a:xfrm>
+              <a:prstGeom prst="rect">
+                <a:avLst/>
+              </a:prstGeom>
+              <a:blipFill>
+                <a:blip r:embed="rId4"/>
+                <a:stretch>
+                  <a:fillRect/>
+                </a:stretch>
+              </a:blipFill>
+            </p:spPr>
+            <p:txBody>
+              <a:bodyPr/>
+              <a:lstStyle/>
+              <a:p>
+                <a:r>
+                  <a:rPr lang="pt-BR">
+                    <a:noFill/>
+                  </a:rPr>
+                  <a:t> </a:t>
+                </a:r>
+              </a:p>
+            </p:txBody>
+          </p:sp>
+        </mc:Fallback>
+      </mc:AlternateContent>
+    </p:spTree>
+    <p:extLst>
+      <p:ext uri="{BB962C8B-B14F-4D97-AF65-F5344CB8AC3E}">
+        <p14:creationId xmlns:p14="http://schemas.microsoft.com/office/powerpoint/2010/main" val="4147755802"/>
+      </p:ext>
+    </p:extLst>
+  </p:cSld>
+  <p:clrMapOvr>
+    <a:masterClrMapping/>
+  </p:clrMapOvr>
+</p:sld>
+</file>
+
+<file path=ppt/slides/slide12.xml><?xml version="1.0" encoding="utf-8"?>
+<p:sld xmlns:a="http://schemas.openxmlformats.org/drawingml/2006/main" xmlns:r="http://schemas.openxmlformats.org/officeDocument/2006/relationships" xmlns:p="http://schemas.openxmlformats.org/presentationml/2006/main">
+  <p:cSld>
+    <p:spTree>
+      <p:nvGrpSpPr>
+        <p:cNvPr id="1" name=""/>
+        <p:cNvGrpSpPr/>
+        <p:nvPr/>
+      </p:nvGrpSpPr>
+      <p:grpSpPr>
+        <a:xfrm>
+          <a:off x="0" y="0"/>
+          <a:ext cx="0" cy="0"/>
+          <a:chOff x="0" y="0"/>
+          <a:chExt cx="0" cy="0"/>
+        </a:xfrm>
+      </p:grpSpPr>
+      <p:sp>
+        <p:nvSpPr>
+          <p:cNvPr id="2" name="Título 1">
+            <a:extLst>
+              <a:ext uri="{FF2B5EF4-FFF2-40B4-BE49-F238E27FC236}">
+                <a16:creationId xmlns:a16="http://schemas.microsoft.com/office/drawing/2014/main" id="{95E4AC3F-4056-4B28-A5D7-BF872EFBB68F}"/>
+              </a:ext>
+            </a:extLst>
+          </p:cNvPr>
+          <p:cNvSpPr>
+            <a:spLocks noGrp="1"/>
+          </p:cNvSpPr>
+          <p:nvPr>
+            <p:ph type="title"/>
+          </p:nvPr>
+        </p:nvSpPr>
+        <p:spPr/>
+        <p:txBody>
+          <a:bodyPr/>
+          <a:lstStyle/>
+          <a:p>
+            <a:r>
+              <a:rPr lang="pt-BR" dirty="0"/>
+              <a:t>Duas Espirais</a:t>
+            </a:r>
+          </a:p>
+        </p:txBody>
+      </p:sp>
+      <p:pic>
+        <p:nvPicPr>
+          <p:cNvPr id="7" name="Imagem 6">
+            <a:extLst>
+              <a:ext uri="{FF2B5EF4-FFF2-40B4-BE49-F238E27FC236}">
+                <a16:creationId xmlns:a16="http://schemas.microsoft.com/office/drawing/2014/main" id="{F5B27A45-199B-4D9E-8907-8C1A73EF7F64}"/>
+              </a:ext>
+            </a:extLst>
+          </p:cNvPr>
+          <p:cNvPicPr>
+            <a:picLocks noChangeAspect="1"/>
+          </p:cNvPicPr>
+          <p:nvPr/>
+        </p:nvPicPr>
+        <p:blipFill>
+          <a:blip r:embed="rId2"/>
+          <a:stretch>
+            <a:fillRect/>
+          </a:stretch>
+        </p:blipFill>
+        <p:spPr>
+          <a:xfrm>
+            <a:off x="527482" y="2210355"/>
+            <a:ext cx="5410200" cy="3467100"/>
+          </a:xfrm>
+          <a:prstGeom prst="rect">
+            <a:avLst/>
+          </a:prstGeom>
+        </p:spPr>
+      </p:pic>
+      <p:pic>
+        <p:nvPicPr>
+          <p:cNvPr id="8" name="Imagem 7">
+            <a:extLst>
+              <a:ext uri="{FF2B5EF4-FFF2-40B4-BE49-F238E27FC236}">
+                <a16:creationId xmlns:a16="http://schemas.microsoft.com/office/drawing/2014/main" id="{C9297370-AA98-4290-AE38-25D171222665}"/>
+              </a:ext>
+            </a:extLst>
+          </p:cNvPr>
+          <p:cNvPicPr>
+            <a:picLocks noChangeAspect="1"/>
+          </p:cNvPicPr>
+          <p:nvPr/>
+        </p:nvPicPr>
+        <p:blipFill>
+          <a:blip r:embed="rId3"/>
+          <a:stretch>
+            <a:fillRect/>
+          </a:stretch>
+        </p:blipFill>
+        <p:spPr>
+          <a:xfrm>
+            <a:off x="5719661" y="2210355"/>
+            <a:ext cx="5410200" cy="3352809"/>
+          </a:xfrm>
+          <a:prstGeom prst="rect">
+            <a:avLst/>
+          </a:prstGeom>
+        </p:spPr>
+      </p:pic>
+    </p:spTree>
+    <p:extLst>
+      <p:ext uri="{BB962C8B-B14F-4D97-AF65-F5344CB8AC3E}">
+        <p14:creationId xmlns:p14="http://schemas.microsoft.com/office/powerpoint/2010/main" val="2833765747"/>
+      </p:ext>
+    </p:extLst>
+  </p:cSld>
+  <p:clrMapOvr>
+    <a:masterClrMapping/>
+  </p:clrMapOvr>
+</p:sld>
+</file>
+
+<file path=ppt/slides/slide13.xml><?xml version="1.0" encoding="utf-8"?>
+<p:sld xmlns:a="http://schemas.openxmlformats.org/drawingml/2006/main" xmlns:r="http://schemas.openxmlformats.org/officeDocument/2006/relationships" xmlns:p="http://schemas.openxmlformats.org/presentationml/2006/main">
+  <p:cSld>
+    <p:spTree>
+      <p:nvGrpSpPr>
+        <p:cNvPr id="1" name=""/>
+        <p:cNvGrpSpPr/>
+        <p:nvPr/>
+      </p:nvGrpSpPr>
+      <p:grpSpPr>
+        <a:xfrm>
+          <a:off x="0" y="0"/>
+          <a:ext cx="0" cy="0"/>
+          <a:chOff x="0" y="0"/>
+          <a:chExt cx="0" cy="0"/>
+        </a:xfrm>
+      </p:grpSpPr>
+      <p:sp>
+        <p:nvSpPr>
+          <p:cNvPr id="2" name="Título 1">
+            <a:extLst>
+              <a:ext uri="{FF2B5EF4-FFF2-40B4-BE49-F238E27FC236}">
+                <a16:creationId xmlns:a16="http://schemas.microsoft.com/office/drawing/2014/main" id="{95E4AC3F-4056-4B28-A5D7-BF872EFBB68F}"/>
+              </a:ext>
+            </a:extLst>
+          </p:cNvPr>
+          <p:cNvSpPr>
+            <a:spLocks noGrp="1"/>
+          </p:cNvSpPr>
+          <p:nvPr>
+            <p:ph type="title"/>
+          </p:nvPr>
+        </p:nvSpPr>
+        <p:spPr/>
+        <p:txBody>
+          <a:bodyPr/>
+          <a:lstStyle/>
+          <a:p>
+            <a:r>
+              <a:rPr lang="pt-BR" dirty="0"/>
+              <a:t>Duas Espirais – Removendo Sobreposição</a:t>
+            </a:r>
+          </a:p>
+        </p:txBody>
+      </p:sp>
+      <p:pic>
+        <p:nvPicPr>
+          <p:cNvPr id="3" name="Imagem 2">
+            <a:extLst>
+              <a:ext uri="{FF2B5EF4-FFF2-40B4-BE49-F238E27FC236}">
+                <a16:creationId xmlns:a16="http://schemas.microsoft.com/office/drawing/2014/main" id="{52475B5C-88C3-4AEC-AA33-93D97E6B6DB0}"/>
+              </a:ext>
+            </a:extLst>
+          </p:cNvPr>
+          <p:cNvPicPr>
+            <a:picLocks noChangeAspect="1"/>
+          </p:cNvPicPr>
+          <p:nvPr/>
+        </p:nvPicPr>
+        <p:blipFill>
+          <a:blip r:embed="rId2"/>
+          <a:stretch>
+            <a:fillRect/>
+          </a:stretch>
+        </p:blipFill>
+        <p:spPr>
+          <a:xfrm>
+            <a:off x="497427" y="2093004"/>
+            <a:ext cx="5391150" cy="3524250"/>
+          </a:xfrm>
+          <a:prstGeom prst="rect">
+            <a:avLst/>
+          </a:prstGeom>
+        </p:spPr>
+      </p:pic>
+      <p:pic>
+        <p:nvPicPr>
+          <p:cNvPr id="4" name="Imagem 3">
+            <a:extLst>
+              <a:ext uri="{FF2B5EF4-FFF2-40B4-BE49-F238E27FC236}">
+                <a16:creationId xmlns:a16="http://schemas.microsoft.com/office/drawing/2014/main" id="{9B0DFC63-4E86-4C67-AFBC-86F446B0DDDD}"/>
+              </a:ext>
+            </a:extLst>
+          </p:cNvPr>
+          <p:cNvPicPr>
+            <a:picLocks noChangeAspect="1"/>
+          </p:cNvPicPr>
+          <p:nvPr/>
+        </p:nvPicPr>
+        <p:blipFill>
+          <a:blip r:embed="rId3"/>
+          <a:stretch>
+            <a:fillRect/>
+          </a:stretch>
+        </p:blipFill>
+        <p:spPr>
+          <a:xfrm>
+            <a:off x="6185840" y="2167446"/>
+            <a:ext cx="5026657" cy="3313863"/>
+          </a:xfrm>
+          <a:prstGeom prst="rect">
+            <a:avLst/>
+          </a:prstGeom>
+        </p:spPr>
+      </p:pic>
+    </p:spTree>
+    <p:extLst>
+      <p:ext uri="{BB962C8B-B14F-4D97-AF65-F5344CB8AC3E}">
+        <p14:creationId xmlns:p14="http://schemas.microsoft.com/office/powerpoint/2010/main" val="2306750694"/>
+      </p:ext>
+    </p:extLst>
+  </p:cSld>
+  <p:clrMapOvr>
+    <a:masterClrMapping/>
+  </p:clrMapOvr>
+</p:sld>
+</file>
+
+<file path=ppt/slides/slide14.xml><?xml version="1.0" encoding="utf-8"?>
+<p:sld xmlns:a="http://schemas.openxmlformats.org/drawingml/2006/main" xmlns:r="http://schemas.openxmlformats.org/officeDocument/2006/relationships" xmlns:p="http://schemas.openxmlformats.org/presentationml/2006/main">
+  <p:cSld>
+    <p:spTree>
+      <p:nvGrpSpPr>
+        <p:cNvPr id="1" name=""/>
+        <p:cNvGrpSpPr/>
+        <p:nvPr/>
+      </p:nvGrpSpPr>
+      <p:grpSpPr>
+        <a:xfrm>
+          <a:off x="0" y="0"/>
+          <a:ext cx="0" cy="0"/>
+          <a:chOff x="0" y="0"/>
+          <a:chExt cx="0" cy="0"/>
+        </a:xfrm>
+      </p:grpSpPr>
+      <p:sp>
+        <p:nvSpPr>
+          <p:cNvPr id="2" name="Título 1">
+            <a:extLst>
+              <a:ext uri="{FF2B5EF4-FFF2-40B4-BE49-F238E27FC236}">
                 <a16:creationId xmlns:a16="http://schemas.microsoft.com/office/drawing/2014/main" id="{CE9B1ED8-A4A9-4074-991C-3CAAC8612F9E}"/>
               </a:ext>
             </a:extLst>
@@ -3773,7 +4288,176 @@
 </p:sld>
 </file>
 
-<file path=ppt/slides/slide12.xml><?xml version="1.0" encoding="utf-8"?>
+<file path=ppt/slides/slide15.xml><?xml version="1.0" encoding="utf-8"?>
+<p:sld xmlns:a="http://schemas.openxmlformats.org/drawingml/2006/main" xmlns:r="http://schemas.openxmlformats.org/officeDocument/2006/relationships" xmlns:p="http://schemas.openxmlformats.org/presentationml/2006/main">
+  <p:cSld>
+    <p:spTree>
+      <p:nvGrpSpPr>
+        <p:cNvPr id="1" name=""/>
+        <p:cNvGrpSpPr/>
+        <p:nvPr/>
+      </p:nvGrpSpPr>
+      <p:grpSpPr>
+        <a:xfrm>
+          <a:off x="0" y="0"/>
+          <a:ext cx="0" cy="0"/>
+          <a:chOff x="0" y="0"/>
+          <a:chExt cx="0" cy="0"/>
+        </a:xfrm>
+      </p:grpSpPr>
+      <p:sp>
+        <p:nvSpPr>
+          <p:cNvPr id="2" name="Título 1">
+            <a:extLst>
+              <a:ext uri="{FF2B5EF4-FFF2-40B4-BE49-F238E27FC236}">
+                <a16:creationId xmlns:a16="http://schemas.microsoft.com/office/drawing/2014/main" id="{1AFBF95E-B295-4AFA-B144-988B3A490352}"/>
+              </a:ext>
+            </a:extLst>
+          </p:cNvPr>
+          <p:cNvSpPr>
+            <a:spLocks noGrp="1"/>
+          </p:cNvSpPr>
+          <p:nvPr>
+            <p:ph type="title"/>
+          </p:nvPr>
+        </p:nvSpPr>
+        <p:spPr/>
+        <p:txBody>
+          <a:bodyPr/>
+          <a:lstStyle/>
+          <a:p>
+            <a:r>
+              <a:rPr lang="pt-BR" dirty="0"/>
+              <a:t>Conclusão</a:t>
+            </a:r>
+          </a:p>
+        </p:txBody>
+      </p:sp>
+      <mc:AlternateContent xmlns:mc="http://schemas.openxmlformats.org/markup-compatibility/2006">
+        <mc:Choice xmlns:a14="http://schemas.microsoft.com/office/drawing/2010/main" Requires="a14">
+          <p:sp>
+            <p:nvSpPr>
+              <p:cNvPr id="3" name="Espaço Reservado para Conteúdo 2">
+                <a:extLst>
+                  <a:ext uri="{FF2B5EF4-FFF2-40B4-BE49-F238E27FC236}">
+                    <a16:creationId xmlns:a16="http://schemas.microsoft.com/office/drawing/2014/main" id="{AC077893-ED43-4E89-B6AD-A4B4FED5A3B7}"/>
+                  </a:ext>
+                </a:extLst>
+              </p:cNvPr>
+              <p:cNvSpPr>
+                <a:spLocks noGrp="1"/>
+              </p:cNvSpPr>
+              <p:nvPr>
+                <p:ph idx="1"/>
+              </p:nvPr>
+            </p:nvSpPr>
+            <p:spPr/>
+            <p:txBody>
+              <a:bodyPr/>
+              <a:lstStyle/>
+              <a:p>
+                <a:r>
+                  <a:rPr lang="pt-BR" dirty="0"/>
+                  <a:t>O método do artigo performa melhor em conjunto de dados menores quando comparado ao SVM. A construção do grafo de Gabriel possui complexidade </a:t>
+                </a:r>
+                <a14:m>
+                  <m:oMath xmlns:m="http://schemas.openxmlformats.org/officeDocument/2006/math">
+                    <m:r>
+                      <a:rPr lang="pt-BR" i="1" dirty="0" smtClean="0">
+                        <a:latin typeface="Cambria Math" panose="02040503050406030204" pitchFamily="18" charset="0"/>
+                      </a:rPr>
+                      <m:t>𝑂</m:t>
+                    </m:r>
+                    <m:r>
+                      <a:rPr lang="pt-BR" i="1" dirty="0" smtClean="0">
+                        <a:latin typeface="Cambria Math" panose="02040503050406030204" pitchFamily="18" charset="0"/>
+                      </a:rPr>
+                      <m:t>(</m:t>
+                    </m:r>
+                    <m:r>
+                      <a:rPr lang="pt-BR" i="1" dirty="0" smtClean="0">
+                        <a:latin typeface="Cambria Math" panose="02040503050406030204" pitchFamily="18" charset="0"/>
+                      </a:rPr>
+                      <m:t>𝑑𝑛</m:t>
+                    </m:r>
+                    <m:r>
+                      <a:rPr lang="pt-BR" i="1" dirty="0" smtClean="0">
+                        <a:latin typeface="Cambria Math" panose="02040503050406030204" pitchFamily="18" charset="0"/>
+                      </a:rPr>
+                      <m:t>^3);</m:t>
+                    </m:r>
+                  </m:oMath>
+                </a14:m>
+                <a:endParaRPr lang="pt-BR" dirty="0"/>
+              </a:p>
+              <a:p>
+                <a:r>
+                  <a:rPr lang="pt-BR" dirty="0"/>
+                  <a:t>Nem sempre é positivo aplicar a remoção de sobreposição, pois quando há vértices sem uma vizinhança povoada</a:t>
+                </a:r>
+                <a:r>
+                  <a:rPr lang="pt-BR"/>
+                  <a:t>, estes são removidos;</a:t>
+                </a:r>
+                <a:endParaRPr lang="pt-BR" dirty="0"/>
+              </a:p>
+            </p:txBody>
+          </p:sp>
+        </mc:Choice>
+        <mc:Fallback>
+          <p:sp>
+            <p:nvSpPr>
+              <p:cNvPr id="3" name="Espaço Reservado para Conteúdo 2">
+                <a:extLst>
+                  <a:ext uri="{FF2B5EF4-FFF2-40B4-BE49-F238E27FC236}">
+                    <a16:creationId xmlns:a16="http://schemas.microsoft.com/office/drawing/2014/main" id="{AC077893-ED43-4E89-B6AD-A4B4FED5A3B7}"/>
+                  </a:ext>
+                </a:extLst>
+              </p:cNvPr>
+              <p:cNvSpPr>
+                <a:spLocks noGrp="1" noRot="1" noChangeAspect="1" noMove="1" noResize="1" noEditPoints="1" noAdjustHandles="1" noChangeArrowheads="1" noChangeShapeType="1" noTextEdit="1"/>
+              </p:cNvSpPr>
+              <p:nvPr>
+                <p:ph idx="1"/>
+              </p:nvPr>
+            </p:nvSpPr>
+            <p:spPr>
+              <a:blipFill>
+                <a:blip r:embed="rId2"/>
+                <a:stretch>
+                  <a:fillRect l="-1043" t="-2241" r="-1333"/>
+                </a:stretch>
+              </a:blipFill>
+            </p:spPr>
+            <p:txBody>
+              <a:bodyPr/>
+              <a:lstStyle/>
+              <a:p>
+                <a:r>
+                  <a:rPr lang="pt-BR">
+                    <a:noFill/>
+                  </a:rPr>
+                  <a:t> </a:t>
+                </a:r>
+              </a:p>
+            </p:txBody>
+          </p:sp>
+        </mc:Fallback>
+      </mc:AlternateContent>
+    </p:spTree>
+    <p:extLst>
+      <p:ext uri="{BB962C8B-B14F-4D97-AF65-F5344CB8AC3E}">
+        <p14:creationId xmlns:p14="http://schemas.microsoft.com/office/powerpoint/2010/main" val="3190017549"/>
+      </p:ext>
+    </p:extLst>
+  </p:cSld>
+  <p:clrMapOvr>
+    <a:masterClrMapping/>
+  </p:clrMapOvr>
+</p:sld>
+</file>
+
+<file path=ppt/slides/slide16.xml><?xml version="1.0" encoding="utf-8"?>
 <p:sld xmlns:a="http://schemas.openxmlformats.org/drawingml/2006/main" xmlns:r="http://schemas.openxmlformats.org/officeDocument/2006/relationships" xmlns:p="http://schemas.openxmlformats.org/presentationml/2006/main">
   <p:cSld>
     <p:spTree>

--- a/ApresentaçãoArtigo1.pptx
+++ b/ApresentaçãoArtigo1.pptx
@@ -3724,8 +3724,8 @@
           </a:prstGeom>
         </p:spPr>
       </p:pic>
-      <mc:AlternateContent xmlns:mc="http://schemas.openxmlformats.org/markup-compatibility/2006">
-        <mc:Choice xmlns:a14="http://schemas.microsoft.com/office/drawing/2010/main" Requires="a14">
+      <mc:AlternateContent xmlns:mc="http://schemas.openxmlformats.org/markup-compatibility/2006" xmlns:a14="http://schemas.microsoft.com/office/drawing/2010/main">
+        <mc:Choice Requires="a14">
           <p:sp>
             <p:nvSpPr>
               <p:cNvPr id="7" name="CaixaDeTexto 6">
@@ -3754,6 +3754,7 @@
               </a:bodyPr>
               <a:lstStyle/>
               <a:p>
+                <a:pPr/>
                 <a14:m>
                   <m:oMathPara xmlns:m="http://schemas.openxmlformats.org/officeDocument/2006/math">
                     <m:oMathParaPr>
@@ -3830,7 +3831,7 @@
             </p:txBody>
           </p:sp>
         </mc:Choice>
-        <mc:Fallback>
+        <mc:Fallback xmlns="">
           <p:sp>
             <p:nvSpPr>
               <p:cNvPr id="7" name="CaixaDeTexto 6">
@@ -4333,8 +4334,8 @@
           </a:p>
         </p:txBody>
       </p:sp>
-      <mc:AlternateContent xmlns:mc="http://schemas.openxmlformats.org/markup-compatibility/2006">
-        <mc:Choice xmlns:a14="http://schemas.microsoft.com/office/drawing/2010/main" Requires="a14">
+      <mc:AlternateContent xmlns:mc="http://schemas.openxmlformats.org/markup-compatibility/2006" xmlns:a14="http://schemas.microsoft.com/office/drawing/2010/main">
+        <mc:Choice Requires="a14">
           <p:sp>
             <p:nvSpPr>
               <p:cNvPr id="3" name="Espaço Reservado para Conteúdo 2">
@@ -4404,7 +4405,7 @@
             </p:txBody>
           </p:sp>
         </mc:Choice>
-        <mc:Fallback>
+        <mc:Fallback xmlns="">
           <p:sp>
             <p:nvSpPr>
               <p:cNvPr id="3" name="Espaço Reservado para Conteúdo 2">
@@ -5894,6 +5895,36 @@
           <a:xfrm>
             <a:off x="7015172" y="3429000"/>
             <a:ext cx="4338628" cy="2823914"/>
+          </a:xfrm>
+          <a:prstGeom prst="rect">
+            <a:avLst/>
+          </a:prstGeom>
+        </p:spPr>
+      </p:pic>
+      <p:pic>
+        <p:nvPicPr>
+          <p:cNvPr id="7" name="Imagem 6">
+            <a:extLst>
+              <a:ext uri="{FF2B5EF4-FFF2-40B4-BE49-F238E27FC236}">
+                <a16:creationId xmlns:a16="http://schemas.microsoft.com/office/drawing/2014/main" id="{CBB04825-6E9A-4FBA-9616-0B888D99F9DF}"/>
+              </a:ext>
+            </a:extLst>
+          </p:cNvPr>
+          <p:cNvPicPr>
+            <a:picLocks noChangeAspect="1"/>
+          </p:cNvPicPr>
+          <p:nvPr/>
+        </p:nvPicPr>
+        <p:blipFill>
+          <a:blip r:embed="rId5"/>
+          <a:stretch>
+            <a:fillRect/>
+          </a:stretch>
+        </p:blipFill>
+        <p:spPr>
+          <a:xfrm>
+            <a:off x="8489161" y="6224494"/>
+            <a:ext cx="1390650" cy="381000"/>
           </a:xfrm>
           <a:prstGeom prst="rect">
             <a:avLst/>
